--- a/CityZip_Presentation.pptx
+++ b/CityZip_Presentation.pptx
@@ -3810,7 +3810,7 @@
           <a:p>
             <a:r>
               <a:rPr lang="en-US" dirty="0" smtClean="0"/>
-              <a:t>CityZip</a:t>
+              <a:t>CitySlip</a:t>
             </a:r>
             <a:endParaRPr lang="en-US" dirty="0"/>
           </a:p>
@@ -3857,6 +3857,13 @@
   <p:clrMapOvr>
     <a:masterClrMapping/>
   </p:clrMapOvr>
+  <p:timing>
+    <p:tnLst>
+      <p:par>
+        <p:cTn id="1" dur="indefinite" restart="never" nodeType="tmRoot"/>
+      </p:par>
+    </p:tnLst>
+  </p:timing>
 </p:sld>
 </file>
 
@@ -3896,7 +3903,7 @@
           <a:p>
             <a:r>
               <a:rPr lang="en-US" dirty="0" smtClean="0"/>
-              <a:t>CityZip: Overview</a:t>
+              <a:t>CitySlip: Overview</a:t>
             </a:r>
             <a:endParaRPr lang="en-US" dirty="0"/>
           </a:p>
@@ -3912,7 +3919,12 @@
             <p:ph idx="1"/>
           </p:nvPr>
         </p:nvSpPr>
-        <p:spPr/>
+        <p:spPr>
+          <a:xfrm>
+            <a:off x="822959" y="1845734"/>
+            <a:ext cx="7543801" cy="4407582"/>
+          </a:xfrm>
+        </p:spPr>
         <p:txBody>
           <a:bodyPr>
             <a:normAutofit fontScale="85000" lnSpcReduction="20000"/>
@@ -3921,7 +3933,7 @@
           <a:p>
             <a:r>
               <a:rPr lang="en-US" sz="2800" dirty="0" smtClean="0"/>
-              <a:t>CityZip is designed to receive a single U.S. zip code and provide feedback to the user on 6 categories:</a:t>
+              <a:t>CitySlip is designed to receive a single U.S. zip code and provide feedback to the user on 6 categories:</a:t>
             </a:r>
           </a:p>
           <a:p>
@@ -3933,7 +3945,7 @@
               <a:buChar char="§"/>
             </a:pPr>
             <a:r>
-              <a:rPr lang="en-US" sz="2100" dirty="0" smtClean="0"/>
+              <a:rPr lang="en-US" sz="2400" dirty="0" smtClean="0"/>
               <a:t>Population and Age Demographics</a:t>
             </a:r>
           </a:p>
@@ -3946,7 +3958,7 @@
               <a:buChar char="§"/>
             </a:pPr>
             <a:r>
-              <a:rPr lang="en-US" sz="2100" dirty="0" smtClean="0"/>
+              <a:rPr lang="en-US" sz="2400" dirty="0" smtClean="0"/>
               <a:t>Points of Interest (i.e. parks, theatres, stores)</a:t>
             </a:r>
           </a:p>
@@ -3959,7 +3971,7 @@
               <a:buChar char="§"/>
             </a:pPr>
             <a:r>
-              <a:rPr lang="en-US" sz="2100" dirty="0" smtClean="0"/>
+              <a:rPr lang="en-US" sz="2400" dirty="0" smtClean="0"/>
               <a:t>Housing Market</a:t>
             </a:r>
           </a:p>
@@ -3972,7 +3984,7 @@
               <a:buChar char="§"/>
             </a:pPr>
             <a:r>
-              <a:rPr lang="en-US" sz="2100" dirty="0" smtClean="0"/>
+              <a:rPr lang="en-US" sz="2400" dirty="0" smtClean="0"/>
               <a:t>Schools </a:t>
             </a:r>
           </a:p>
@@ -3985,7 +3997,7 @@
               <a:buChar char="§"/>
             </a:pPr>
             <a:r>
-              <a:rPr lang="en-US" sz="2100" dirty="0" smtClean="0"/>
+              <a:rPr lang="en-US" sz="2400" dirty="0" smtClean="0"/>
               <a:t>Crime Risk</a:t>
             </a:r>
           </a:p>
@@ -3998,7 +4010,7 @@
               <a:buChar char="§"/>
             </a:pPr>
             <a:r>
-              <a:rPr lang="en-US" sz="2100" dirty="0" smtClean="0"/>
+              <a:rPr lang="en-US" sz="2400" dirty="0" smtClean="0"/>
               <a:t>General Weather </a:t>
             </a:r>
           </a:p>
@@ -4014,6 +4026,13 @@
   <p:clrMapOvr>
     <a:masterClrMapping/>
   </p:clrMapOvr>
+  <p:timing>
+    <p:tnLst>
+      <p:par>
+        <p:cTn id="1" dur="indefinite" restart="never" nodeType="tmRoot"/>
+      </p:par>
+    </p:tnLst>
+  </p:timing>
 </p:sld>
 </file>
 
@@ -4051,7 +4070,7 @@
           <a:p>
             <a:r>
               <a:rPr lang="en-US" dirty="0" smtClean="0"/>
-              <a:t>CityZip: Purpose</a:t>
+              <a:t>CitySlip: Purpose</a:t>
             </a:r>
             <a:endParaRPr lang="en-US" dirty="0"/>
           </a:p>
@@ -4085,7 +4104,7 @@
             </a:pPr>
             <a:r>
               <a:rPr lang="en-US" sz="1800" dirty="0" smtClean="0"/>
-              <a:t>CityZip’s categories and associated </a:t>
+              <a:t>CitySlip’s categories and associated </a:t>
             </a:r>
             <a:r>
               <a:rPr lang="en-US" sz="1800" dirty="0"/>
@@ -4281,12 +4300,8 @@
           <a:lstStyle/>
           <a:p>
             <a:r>
-              <a:rPr lang="en-US" dirty="0"/>
-              <a:t>CityZip: </a:t>
-            </a:r>
-            <a:r>
               <a:rPr lang="en-US" dirty="0" smtClean="0"/>
-              <a:t>Value</a:t>
+              <a:t>CitySlip: Value</a:t>
             </a:r>
             <a:endParaRPr lang="en-US" dirty="0"/>
           </a:p>
@@ -4309,7 +4324,7 @@
           <a:p>
             <a:r>
               <a:rPr lang="en-US" dirty="0" smtClean="0"/>
-              <a:t>CityZip provides a user with a sense of the area in question</a:t>
+              <a:t>CitySlip provides a user with a sense of the area in question</a:t>
             </a:r>
             <a:r>
               <a:rPr lang="mr-IN" dirty="0" smtClean="0"/>
@@ -4516,7 +4531,7 @@
           <a:p>
             <a:r>
               <a:rPr lang="en-US" dirty="0" smtClean="0"/>
-              <a:t>CityZip: Data</a:t>
+              <a:t>CitySlip: Data</a:t>
             </a:r>
             <a:endParaRPr lang="en-US" dirty="0"/>
           </a:p>
@@ -4541,7 +4556,7 @@
           <a:p>
             <a:r>
               <a:rPr lang="en-US" sz="2600" dirty="0" smtClean="0"/>
-              <a:t>CityZip accesses various APIs and static datasets:</a:t>
+              <a:t>CitySlip accesses various APIs and static datasets:</a:t>
             </a:r>
           </a:p>
           <a:p>
@@ -4785,7 +4800,7 @@
           <a:p>
             <a:r>
               <a:rPr lang="en-US" dirty="0" smtClean="0"/>
-              <a:t>CityZip: Data cont.</a:t>
+              <a:t>CitySlip: Data cont.</a:t>
             </a:r>
             <a:endParaRPr lang="en-US" dirty="0"/>
           </a:p>
@@ -4822,7 +4837,7 @@
             </a:pPr>
             <a:r>
               <a:rPr lang="en-US" dirty="0" smtClean="0"/>
-              <a:t>Market Health Index:</a:t>
+              <a:t>Market Health Index: </a:t>
             </a:r>
           </a:p>
           <a:p>
@@ -4832,7 +4847,15 @@
             </a:pPr>
             <a:r>
               <a:rPr lang="en-US" dirty="0" smtClean="0"/>
-              <a:t>Home Value Index:</a:t>
+              <a:t>Home Value 2014 </a:t>
+            </a:r>
+            <a:r>
+              <a:rPr lang="mr-IN" dirty="0" smtClean="0"/>
+              <a:t>–</a:t>
+            </a:r>
+            <a:r>
+              <a:rPr lang="en-US" dirty="0" smtClean="0"/>
+              <a:t> 2017: Average home value</a:t>
             </a:r>
           </a:p>
           <a:p>
@@ -4842,7 +4865,15 @@
             </a:pPr>
             <a:r>
               <a:rPr lang="en-US" dirty="0" smtClean="0"/>
-              <a:t>Rent Value Index:</a:t>
+              <a:t>Rent Value 2014 </a:t>
+            </a:r>
+            <a:r>
+              <a:rPr lang="mr-IN" dirty="0" smtClean="0"/>
+              <a:t>–</a:t>
+            </a:r>
+            <a:r>
+              <a:rPr lang="en-US" dirty="0" smtClean="0"/>
+              <a:t> 2017: Average rent</a:t>
             </a:r>
           </a:p>
           <a:p>
@@ -4874,7 +4905,7 @@
             </a:r>
             <a:r>
               <a:rPr lang="en-US" dirty="0" smtClean="0"/>
-              <a:t> 216: Provides 116 columns of data on 3,193 counties </a:t>
+              <a:t> 2016: Provides 116 columns of data on 3,193 counties </a:t>
             </a:r>
           </a:p>
           <a:p>
@@ -4971,44 +5002,604 @@
           <a:p>
             <a:r>
               <a:rPr lang="en-US" dirty="0" smtClean="0"/>
-              <a:t>CityZip: Scoring the Results</a:t>
+              <a:t>CitySlip: Scoring the Results</a:t>
             </a:r>
             <a:endParaRPr lang="en-US" dirty="0"/>
           </a:p>
         </p:txBody>
       </p:sp>
-      <p:sp>
-        <p:nvSpPr>
-          <p:cNvPr id="3" name="Content Placeholder 2"/>
-          <p:cNvSpPr>
-            <a:spLocks noGrp="1"/>
-          </p:cNvSpPr>
-          <p:nvPr>
-            <p:ph idx="1"/>
-          </p:nvPr>
-        </p:nvSpPr>
-        <p:spPr/>
-        <p:txBody>
-          <a:bodyPr/>
+      <p:graphicFrame>
+        <p:nvGraphicFramePr>
+          <p:cNvPr id="4" name="Table 3"/>
+          <p:cNvGraphicFramePr>
+            <a:graphicFrameLocks noGrp="1"/>
+          </p:cNvGraphicFramePr>
+          <p:nvPr>
+            <p:extLst>
+              <p:ext uri="{D42A27DB-BD31-4B8C-83A1-F6EECF244321}">
+                <p14:modId xmlns:p14="http://schemas.microsoft.com/office/powerpoint/2010/main" val="1752540383"/>
+              </p:ext>
+            </p:extLst>
+          </p:nvPr>
+        </p:nvGraphicFramePr>
+        <p:xfrm>
+          <a:off x="1150129" y="2316117"/>
+          <a:ext cx="6843742" cy="3895263"/>
+        </p:xfrm>
+        <a:graphic>
+          <a:graphicData uri="http://schemas.openxmlformats.org/drawingml/2006/table">
+            <a:tbl>
+              <a:tblPr firstRow="1" bandRow="1">
+                <a:tableStyleId>{5C22544A-7EE6-4342-B048-85BDC9FD1C3A}</a:tableStyleId>
+              </a:tblPr>
+              <a:tblGrid>
+                <a:gridCol w="2724027"/>
+                <a:gridCol w="1022555"/>
+                <a:gridCol w="3097160"/>
+              </a:tblGrid>
+              <a:tr h="328757">
+                <a:tc>
+                  <a:txBody>
+                    <a:bodyPr/>
+                    <a:lstStyle/>
+                    <a:p>
+                      <a:pPr algn="ctr"/>
+                      <a:r>
+                        <a:rPr lang="en-US" sz="1600" dirty="0" smtClean="0"/>
+                        <a:t>Variable</a:t>
+                      </a:r>
+                      <a:endParaRPr lang="en-US" sz="1600" dirty="0"/>
+                    </a:p>
+                  </a:txBody>
+                  <a:tcPr/>
+                </a:tc>
+                <a:tc>
+                  <a:txBody>
+                    <a:bodyPr/>
+                    <a:lstStyle/>
+                    <a:p>
+                      <a:pPr algn="ctr"/>
+                      <a:r>
+                        <a:rPr lang="en-US" sz="1600" dirty="0" smtClean="0"/>
+                        <a:t>Weight</a:t>
+                      </a:r>
+                      <a:endParaRPr lang="en-US" sz="1600" dirty="0"/>
+                    </a:p>
+                  </a:txBody>
+                  <a:tcPr/>
+                </a:tc>
+                <a:tc>
+                  <a:txBody>
+                    <a:bodyPr/>
+                    <a:lstStyle/>
+                    <a:p>
+                      <a:pPr algn="ctr"/>
+                      <a:r>
+                        <a:rPr lang="en-US" sz="1600" dirty="0" smtClean="0"/>
+                        <a:t>Basis</a:t>
+                      </a:r>
+                      <a:endParaRPr lang="en-US" sz="1600" dirty="0"/>
+                    </a:p>
+                  </a:txBody>
+                  <a:tcPr/>
+                </a:tc>
+              </a:tr>
+              <a:tr h="394243">
+                <a:tc>
+                  <a:txBody>
+                    <a:bodyPr/>
+                    <a:lstStyle/>
+                    <a:p>
+                      <a:r>
+                        <a:rPr lang="en-US" sz="1600" dirty="0" smtClean="0"/>
+                        <a:t>Real Estate Market Health</a:t>
+                      </a:r>
+                      <a:endParaRPr lang="en-US" sz="1600" b="0" dirty="0"/>
+                    </a:p>
+                  </a:txBody>
+                  <a:tcPr/>
+                </a:tc>
+                <a:tc>
+                  <a:txBody>
+                    <a:bodyPr/>
+                    <a:lstStyle/>
+                    <a:p>
+                      <a:pPr algn="ctr"/>
+                      <a:r>
+                        <a:rPr lang="en-US" sz="1600" dirty="0" smtClean="0"/>
+                        <a:t>.05</a:t>
+                      </a:r>
+                      <a:endParaRPr lang="en-US" sz="1600" b="0" dirty="0"/>
+                    </a:p>
+                  </a:txBody>
+                  <a:tcPr/>
+                </a:tc>
+                <a:tc>
+                  <a:txBody>
+                    <a:bodyPr/>
+                    <a:lstStyle/>
+                    <a:p>
+                      <a:pPr algn="ctr"/>
+                      <a:r>
+                        <a:rPr lang="en-US" sz="1600" b="0" dirty="0" smtClean="0"/>
+                        <a:t>Strong Market</a:t>
+                      </a:r>
+                      <a:endParaRPr lang="en-US" sz="1600" b="0" dirty="0"/>
+                    </a:p>
+                  </a:txBody>
+                  <a:tcPr/>
+                </a:tc>
+              </a:tr>
+              <a:tr h="341205">
+                <a:tc>
+                  <a:txBody>
+                    <a:bodyPr/>
+                    <a:lstStyle/>
+                    <a:p>
+                      <a:r>
+                        <a:rPr lang="en-US" sz="1600" dirty="0" smtClean="0"/>
+                        <a:t>Home Value</a:t>
+                      </a:r>
+                      <a:endParaRPr lang="en-US" sz="1600" b="0" dirty="0"/>
+                    </a:p>
+                  </a:txBody>
+                  <a:tcPr/>
+                </a:tc>
+                <a:tc>
+                  <a:txBody>
+                    <a:bodyPr/>
+                    <a:lstStyle/>
+                    <a:p>
+                      <a:pPr algn="ctr"/>
+                      <a:r>
+                        <a:rPr lang="en-US" sz="1600" dirty="0" smtClean="0"/>
+                        <a:t>.05</a:t>
+                      </a:r>
+                      <a:endParaRPr lang="en-US" sz="1600" b="0" dirty="0"/>
+                    </a:p>
+                  </a:txBody>
+                  <a:tcPr/>
+                </a:tc>
+                <a:tc>
+                  <a:txBody>
+                    <a:bodyPr/>
+                    <a:lstStyle/>
+                    <a:p>
+                      <a:pPr algn="ctr"/>
+                      <a:r>
+                        <a:rPr lang="en-US" sz="1600" b="0" dirty="0" smtClean="0"/>
+                        <a:t>Compared</a:t>
+                      </a:r>
+                      <a:r>
+                        <a:rPr lang="en-US" sz="1600" b="0" baseline="0" dirty="0" smtClean="0"/>
+                        <a:t> to National Average</a:t>
+                      </a:r>
+                      <a:endParaRPr lang="en-US" sz="1600" b="0" dirty="0"/>
+                    </a:p>
+                  </a:txBody>
+                  <a:tcPr/>
+                </a:tc>
+              </a:tr>
+              <a:tr h="341205">
+                <a:tc>
+                  <a:txBody>
+                    <a:bodyPr/>
+                    <a:lstStyle/>
+                    <a:p>
+                      <a:r>
+                        <a:rPr lang="en-US" sz="1600" baseline="0" dirty="0" smtClean="0"/>
+                        <a:t>Rent</a:t>
+                      </a:r>
+                      <a:endParaRPr lang="en-US" sz="1600" b="0" dirty="0"/>
+                    </a:p>
+                  </a:txBody>
+                  <a:tcPr/>
+                </a:tc>
+                <a:tc>
+                  <a:txBody>
+                    <a:bodyPr/>
+                    <a:lstStyle/>
+                    <a:p>
+                      <a:pPr algn="ctr"/>
+                      <a:r>
+                        <a:rPr lang="en-US" sz="1600" dirty="0" smtClean="0"/>
+                        <a:t>.05</a:t>
+                      </a:r>
+                      <a:endParaRPr lang="en-US" sz="1600" b="0" dirty="0"/>
+                    </a:p>
+                  </a:txBody>
+                  <a:tcPr/>
+                </a:tc>
+                <a:tc>
+                  <a:txBody>
+                    <a:bodyPr/>
+                    <a:lstStyle/>
+                    <a:p>
+                      <a:pPr algn="ctr"/>
+                      <a:r>
+                        <a:rPr lang="en-US" sz="1600" b="0" dirty="0" smtClean="0"/>
+                        <a:t>Compared</a:t>
+                      </a:r>
+                      <a:r>
+                        <a:rPr lang="en-US" sz="1600" b="0" baseline="0" dirty="0" smtClean="0"/>
+                        <a:t> to National Average</a:t>
+                      </a:r>
+                      <a:endParaRPr lang="en-US" sz="1600" b="0" dirty="0"/>
+                    </a:p>
+                  </a:txBody>
+                  <a:tcPr/>
+                </a:tc>
+              </a:tr>
+              <a:tr h="375229">
+                <a:tc>
+                  <a:txBody>
+                    <a:bodyPr/>
+                    <a:lstStyle/>
+                    <a:p>
+                      <a:r>
+                        <a:rPr lang="en-US" sz="1600" dirty="0" smtClean="0"/>
+                        <a:t>Winter/Summer</a:t>
+                      </a:r>
+                      <a:r>
+                        <a:rPr lang="en-US" sz="1600" baseline="0" dirty="0" smtClean="0"/>
+                        <a:t> Temperature</a:t>
+                      </a:r>
+                      <a:endParaRPr lang="en-US" sz="1600" b="0" dirty="0"/>
+                    </a:p>
+                  </a:txBody>
+                  <a:tcPr/>
+                </a:tc>
+                <a:tc>
+                  <a:txBody>
+                    <a:bodyPr/>
+                    <a:lstStyle/>
+                    <a:p>
+                      <a:pPr algn="ctr"/>
+                      <a:r>
+                        <a:rPr lang="en-US" sz="1600" dirty="0" smtClean="0"/>
+                        <a:t>.10</a:t>
+                      </a:r>
+                      <a:endParaRPr lang="en-US" sz="1600" b="0" dirty="0"/>
+                    </a:p>
+                  </a:txBody>
+                  <a:tcPr/>
+                </a:tc>
+                <a:tc>
+                  <a:txBody>
+                    <a:bodyPr/>
+                    <a:lstStyle/>
+                    <a:p>
+                      <a:pPr algn="ctr"/>
+                      <a:r>
+                        <a:rPr lang="en-US" sz="1600" b="0" dirty="0" smtClean="0"/>
+                        <a:t>Moderate </a:t>
+                      </a:r>
+                      <a:endParaRPr lang="en-US" sz="1600" b="0" baseline="0" dirty="0" smtClean="0"/>
+                    </a:p>
+                  </a:txBody>
+                  <a:tcPr/>
+                </a:tc>
+              </a:tr>
+              <a:tr h="341205">
+                <a:tc>
+                  <a:txBody>
+                    <a:bodyPr/>
+                    <a:lstStyle/>
+                    <a:p>
+                      <a:r>
+                        <a:rPr lang="en-US" sz="1600" dirty="0" smtClean="0"/>
+                        <a:t>Walkability</a:t>
+                      </a:r>
+                      <a:endParaRPr lang="en-US" sz="1600" b="0" dirty="0"/>
+                    </a:p>
+                  </a:txBody>
+                  <a:tcPr/>
+                </a:tc>
+                <a:tc>
+                  <a:txBody>
+                    <a:bodyPr/>
+                    <a:lstStyle/>
+                    <a:p>
+                      <a:pPr algn="ctr"/>
+                      <a:r>
+                        <a:rPr lang="en-US" sz="1600" dirty="0" smtClean="0"/>
+                        <a:t>.05</a:t>
+                      </a:r>
+                      <a:endParaRPr lang="en-US" sz="1600" b="0" dirty="0"/>
+                    </a:p>
+                  </a:txBody>
+                  <a:tcPr/>
+                </a:tc>
+                <a:tc>
+                  <a:txBody>
+                    <a:bodyPr/>
+                    <a:lstStyle/>
+                    <a:p>
+                      <a:pPr algn="ctr"/>
+                      <a:r>
+                        <a:rPr lang="en-US" sz="1600" b="0" dirty="0" smtClean="0"/>
+                        <a:t>Pedestrian Friendliness</a:t>
+                      </a:r>
+                      <a:endParaRPr lang="en-US" sz="1600" b="0" dirty="0"/>
+                    </a:p>
+                  </a:txBody>
+                  <a:tcPr/>
+                </a:tc>
+              </a:tr>
+              <a:tr h="341205">
+                <a:tc>
+                  <a:txBody>
+                    <a:bodyPr/>
+                    <a:lstStyle/>
+                    <a:p>
+                      <a:r>
+                        <a:rPr lang="en-US" sz="1600" dirty="0" smtClean="0"/>
+                        <a:t>School Count</a:t>
+                      </a:r>
+                      <a:endParaRPr lang="en-US" sz="1600" b="0" dirty="0"/>
+                    </a:p>
+                  </a:txBody>
+                  <a:tcPr/>
+                </a:tc>
+                <a:tc>
+                  <a:txBody>
+                    <a:bodyPr/>
+                    <a:lstStyle/>
+                    <a:p>
+                      <a:pPr algn="ctr"/>
+                      <a:r>
+                        <a:rPr lang="en-US" sz="1600" dirty="0" smtClean="0"/>
+                        <a:t>.10</a:t>
+                      </a:r>
+                      <a:endParaRPr lang="en-US" sz="1600" b="0" dirty="0"/>
+                    </a:p>
+                  </a:txBody>
+                  <a:tcPr/>
+                </a:tc>
+                <a:tc>
+                  <a:txBody>
+                    <a:bodyPr/>
+                    <a:lstStyle/>
+                    <a:p>
+                      <a:pPr algn="ctr"/>
+                      <a:r>
+                        <a:rPr lang="en-US" sz="1600" b="0" dirty="0" smtClean="0"/>
+                        <a:t>High</a:t>
+                      </a:r>
+                      <a:r>
+                        <a:rPr lang="en-US" sz="1600" b="0" baseline="0" dirty="0" smtClean="0"/>
+                        <a:t> Count</a:t>
+                      </a:r>
+                      <a:endParaRPr lang="en-US" sz="1600" b="0" dirty="0"/>
+                    </a:p>
+                  </a:txBody>
+                  <a:tcPr/>
+                </a:tc>
+              </a:tr>
+              <a:tr h="402076">
+                <a:tc>
+                  <a:txBody>
+                    <a:bodyPr/>
+                    <a:lstStyle/>
+                    <a:p>
+                      <a:r>
+                        <a:rPr lang="en-US" sz="1600" dirty="0" smtClean="0"/>
+                        <a:t>Points</a:t>
+                      </a:r>
+                      <a:r>
+                        <a:rPr lang="en-US" sz="1600" baseline="0" dirty="0" smtClean="0"/>
+                        <a:t> of Interest Count</a:t>
+                      </a:r>
+                      <a:endParaRPr lang="en-US" sz="1600" b="0" dirty="0"/>
+                    </a:p>
+                  </a:txBody>
+                  <a:tcPr/>
+                </a:tc>
+                <a:tc>
+                  <a:txBody>
+                    <a:bodyPr/>
+                    <a:lstStyle/>
+                    <a:p>
+                      <a:pPr algn="ctr"/>
+                      <a:r>
+                        <a:rPr lang="en-US" sz="1600" dirty="0" smtClean="0"/>
+                        <a:t>.30</a:t>
+                      </a:r>
+                      <a:endParaRPr lang="en-US" sz="1600" b="0" dirty="0"/>
+                    </a:p>
+                  </a:txBody>
+                  <a:tcPr/>
+                </a:tc>
+                <a:tc>
+                  <a:txBody>
+                    <a:bodyPr/>
+                    <a:lstStyle/>
+                    <a:p>
+                      <a:pPr algn="ctr"/>
+                      <a:r>
+                        <a:rPr lang="en-US" sz="1600" b="0" dirty="0" smtClean="0"/>
+                        <a:t>High Count</a:t>
+                      </a:r>
+                      <a:endParaRPr lang="en-US" sz="1600" b="0" dirty="0"/>
+                    </a:p>
+                  </a:txBody>
+                  <a:tcPr/>
+                </a:tc>
+              </a:tr>
+              <a:tr h="341205">
+                <a:tc>
+                  <a:txBody>
+                    <a:bodyPr/>
+                    <a:lstStyle/>
+                    <a:p>
+                      <a:r>
+                        <a:rPr lang="en-US" sz="1600" dirty="0" smtClean="0"/>
+                        <a:t>Sales Tax</a:t>
+                      </a:r>
+                      <a:endParaRPr lang="en-US" sz="1600" b="0" dirty="0"/>
+                    </a:p>
+                  </a:txBody>
+                  <a:tcPr/>
+                </a:tc>
+                <a:tc>
+                  <a:txBody>
+                    <a:bodyPr/>
+                    <a:lstStyle/>
+                    <a:p>
+                      <a:pPr algn="ctr"/>
+                      <a:r>
+                        <a:rPr lang="en-US" sz="1600" dirty="0" smtClean="0"/>
+                        <a:t>.05</a:t>
+                      </a:r>
+                      <a:endParaRPr lang="en-US" sz="1600" b="0" dirty="0"/>
+                    </a:p>
+                  </a:txBody>
+                  <a:tcPr/>
+                </a:tc>
+                <a:tc>
+                  <a:txBody>
+                    <a:bodyPr/>
+                    <a:lstStyle/>
+                    <a:p>
+                      <a:pPr algn="ctr"/>
+                      <a:r>
+                        <a:rPr lang="en-US" sz="1600" b="0" dirty="0" smtClean="0"/>
+                        <a:t>Low Tax Rate</a:t>
+                      </a:r>
+                      <a:endParaRPr lang="en-US" sz="1600" b="0" dirty="0"/>
+                    </a:p>
+                  </a:txBody>
+                  <a:tcPr/>
+                </a:tc>
+              </a:tr>
+              <a:tr h="341205">
+                <a:tc>
+                  <a:txBody>
+                    <a:bodyPr/>
+                    <a:lstStyle/>
+                    <a:p>
+                      <a:r>
+                        <a:rPr lang="en-US" sz="1600" dirty="0" smtClean="0"/>
+                        <a:t>Population Growth</a:t>
+                      </a:r>
+                      <a:endParaRPr lang="en-US" sz="1600" b="0" dirty="0"/>
+                    </a:p>
+                  </a:txBody>
+                  <a:tcPr/>
+                </a:tc>
+                <a:tc>
+                  <a:txBody>
+                    <a:bodyPr/>
+                    <a:lstStyle/>
+                    <a:p>
+                      <a:pPr algn="ctr"/>
+                      <a:r>
+                        <a:rPr lang="en-US" sz="1600" dirty="0" smtClean="0"/>
+                        <a:t>.10</a:t>
+                      </a:r>
+                      <a:endParaRPr lang="en-US" sz="1600" b="0" dirty="0"/>
+                    </a:p>
+                  </a:txBody>
+                  <a:tcPr/>
+                </a:tc>
+                <a:tc>
+                  <a:txBody>
+                    <a:bodyPr/>
+                    <a:lstStyle/>
+                    <a:p>
+                      <a:pPr algn="ctr"/>
+                      <a:r>
+                        <a:rPr lang="en-US" sz="1600" b="0" dirty="0" smtClean="0"/>
+                        <a:t>Moderate growth</a:t>
+                      </a:r>
+                      <a:endParaRPr lang="en-US" sz="1600" b="0" dirty="0"/>
+                    </a:p>
+                  </a:txBody>
+                  <a:tcPr/>
+                </a:tc>
+              </a:tr>
+              <a:tr h="341205">
+                <a:tc>
+                  <a:txBody>
+                    <a:bodyPr/>
+                    <a:lstStyle/>
+                    <a:p>
+                      <a:r>
+                        <a:rPr lang="en-US" sz="1600" dirty="0" smtClean="0"/>
+                        <a:t>Crime Risk</a:t>
+                      </a:r>
+                      <a:endParaRPr lang="en-US" sz="1600" b="0" dirty="0"/>
+                    </a:p>
+                  </a:txBody>
+                  <a:tcPr/>
+                </a:tc>
+                <a:tc>
+                  <a:txBody>
+                    <a:bodyPr/>
+                    <a:lstStyle/>
+                    <a:p>
+                      <a:pPr algn="ctr"/>
+                      <a:r>
+                        <a:rPr lang="en-US" sz="1600" dirty="0" smtClean="0"/>
+                        <a:t>.15</a:t>
+                      </a:r>
+                      <a:endParaRPr lang="en-US" sz="1600" b="0" dirty="0"/>
+                    </a:p>
+                  </a:txBody>
+                  <a:tcPr/>
+                </a:tc>
+                <a:tc>
+                  <a:txBody>
+                    <a:bodyPr/>
+                    <a:lstStyle/>
+                    <a:p>
+                      <a:pPr algn="ctr"/>
+                      <a:r>
+                        <a:rPr lang="en-US" sz="1600" b="0" dirty="0" smtClean="0"/>
+                        <a:t>Low</a:t>
+                      </a:r>
+                      <a:r>
+                        <a:rPr lang="en-US" sz="1600" b="0" baseline="0" dirty="0" smtClean="0"/>
+                        <a:t> Risk</a:t>
+                      </a:r>
+                      <a:endParaRPr lang="en-US" sz="1600" b="0" dirty="0"/>
+                    </a:p>
+                  </a:txBody>
+                  <a:tcPr/>
+                </a:tc>
+              </a:tr>
+            </a:tbl>
+          </a:graphicData>
+        </a:graphic>
+      </p:graphicFrame>
+      <p:sp>
+        <p:nvSpPr>
+          <p:cNvPr id="5" name="TextBox 4"/>
+          <p:cNvSpPr txBox="1"/>
+          <p:nvPr/>
+        </p:nvSpPr>
+        <p:spPr>
+          <a:xfrm>
+            <a:off x="521110" y="1789473"/>
+            <a:ext cx="8150942" cy="400110"/>
+          </a:xfrm>
+          <a:prstGeom prst="rect">
+            <a:avLst/>
+          </a:prstGeom>
+          <a:noFill/>
+        </p:spPr>
+        <p:txBody>
+          <a:bodyPr wrap="square" rtlCol="0">
+            <a:spAutoFit/>
+          </a:bodyPr>
           <a:lstStyle/>
           <a:p>
-            <a:r>
-              <a:rPr lang="en-US" dirty="0" smtClean="0"/>
-              <a:t>Score can range from 0 to 100 </a:t>
-            </a:r>
-          </a:p>
-          <a:p>
-            <a:r>
-              <a:rPr lang="en-US" dirty="0" smtClean="0"/>
-              <a:t>List variables weighed</a:t>
-            </a:r>
-          </a:p>
-          <a:p>
-            <a:r>
-              <a:rPr lang="en-US" dirty="0" smtClean="0"/>
-              <a:t>Discuss subjective approach</a:t>
-            </a:r>
-            <a:endParaRPr lang="en-US" dirty="0"/>
+            <a:pPr algn="ctr"/>
+            <a:r>
+              <a:rPr lang="en-US" sz="2000" dirty="0" smtClean="0"/>
+              <a:t>10 variables are defined to produce a total score from 0 to 100</a:t>
+            </a:r>
+            <a:endParaRPr lang="en-US" sz="2000" dirty="0" smtClean="0"/>
           </a:p>
         </p:txBody>
       </p:sp>
@@ -5066,7 +5657,7 @@
           <a:p>
             <a:r>
               <a:rPr lang="en-US" dirty="0" smtClean="0"/>
-              <a:t>CityZip: Conclusion</a:t>
+              <a:t>CitySlip: Conclusion</a:t>
             </a:r>
             <a:endParaRPr lang="en-US" dirty="0"/>
           </a:p>
@@ -5084,51 +5675,159 @@
         </p:nvSpPr>
         <p:spPr/>
         <p:txBody>
-          <a:bodyPr/>
+          <a:bodyPr>
+            <a:normAutofit fontScale="92500" lnSpcReduction="10000"/>
+          </a:bodyPr>
           <a:lstStyle/>
           <a:p>
+            <a:pPr>
+              <a:buFont typeface="Wingdings" charset="2"/>
+              <a:buChar char="§"/>
+            </a:pPr>
             <a:r>
               <a:rPr lang="en-US" dirty="0" smtClean="0"/>
-              <a:t>General Synopsis of Findings</a:t>
-            </a:r>
-          </a:p>
-          <a:p>
-            <a:pPr lvl="1"/>
-            <a:r>
-              <a:rPr lang="en-US" dirty="0" err="1" smtClean="0"/>
-              <a:t>Approx</a:t>
+              <a:t> Accesses 5 data resources targeting a single Zip Code</a:t>
+            </a:r>
+          </a:p>
+          <a:p>
+            <a:pPr>
+              <a:buFont typeface="Wingdings" charset="2"/>
+              <a:buChar char="§"/>
+            </a:pPr>
+            <a:r>
+              <a:rPr lang="en-US" dirty="0"/>
+              <a:t> </a:t>
             </a:r>
             <a:r>
               <a:rPr lang="en-US" dirty="0" smtClean="0"/>
-              <a:t> how many zips did we test on?</a:t>
-            </a:r>
-          </a:p>
-          <a:p>
-            <a:endParaRPr lang="en-US" dirty="0"/>
-          </a:p>
-          <a:p>
+              <a:t>Plots 6 graphs:</a:t>
+            </a:r>
+          </a:p>
+          <a:p>
+            <a:pPr lvl="1">
+              <a:buFont typeface="Wingdings" charset="2"/>
+              <a:buChar char="§"/>
+            </a:pPr>
             <a:r>
               <a:rPr lang="en-US" dirty="0" smtClean="0"/>
-              <a:t>GitHub </a:t>
-            </a:r>
+              <a:t>Pie Charts: Places of Interest | Age Demographics</a:t>
+            </a:r>
+          </a:p>
+          <a:p>
+            <a:pPr lvl="1">
+              <a:buFont typeface="Wingdings" charset="2"/>
+              <a:buChar char="§"/>
+            </a:pPr>
+            <a:r>
+              <a:rPr lang="en-US" dirty="0" smtClean="0"/>
+              <a:t>Line Graphs: Population Growth | Average Rent | Average Home Value</a:t>
+            </a:r>
+          </a:p>
+          <a:p>
+            <a:pPr lvl="1">
+              <a:buFont typeface="Wingdings" charset="2"/>
+              <a:buChar char="§"/>
+            </a:pPr>
+            <a:r>
+              <a:rPr lang="en-US" dirty="0" smtClean="0"/>
+              <a:t>Bar Chart: School Type Count</a:t>
+            </a:r>
+          </a:p>
+          <a:p>
+            <a:pPr>
+              <a:buFont typeface="Wingdings" charset="2"/>
+              <a:buChar char="§"/>
+            </a:pPr>
             <a:r>
               <a:rPr lang="en-US" dirty="0"/>
-              <a:t>Repo</a:t>
+              <a:t> </a:t>
             </a:r>
             <a:r>
               <a:rPr lang="en-US" dirty="0" smtClean="0"/>
-              <a:t>:</a:t>
-            </a:r>
-          </a:p>
-          <a:p>
-            <a:endParaRPr lang="en-US" dirty="0"/>
-          </a:p>
-          <a:p>
+              <a:t>Provides a general sense of area</a:t>
+            </a:r>
+          </a:p>
+          <a:p>
+            <a:pPr lvl="1">
+              <a:buFont typeface="Wingdings" charset="2"/>
+              <a:buChar char="§"/>
+            </a:pPr>
             <a:r>
               <a:rPr lang="en-US" dirty="0" smtClean="0"/>
-              <a:t>Demo</a:t>
-            </a:r>
-            <a:endParaRPr lang="en-US" dirty="0"/>
+              <a:t>How many schools in the area?</a:t>
+            </a:r>
+          </a:p>
+          <a:p>
+            <a:pPr lvl="1">
+              <a:buFont typeface="Wingdings" charset="2"/>
+              <a:buChar char="§"/>
+            </a:pPr>
+            <a:r>
+              <a:rPr lang="en-US" dirty="0" smtClean="0"/>
+              <a:t>What are the population demographics?</a:t>
+            </a:r>
+          </a:p>
+          <a:p>
+            <a:pPr lvl="1">
+              <a:buFont typeface="Wingdings" charset="2"/>
+              <a:buChar char="§"/>
+            </a:pPr>
+            <a:r>
+              <a:rPr lang="en-US" dirty="0" smtClean="0"/>
+              <a:t>Is it affordable to rent or buy?</a:t>
+            </a:r>
+          </a:p>
+          <a:p>
+            <a:pPr lvl="1">
+              <a:buFont typeface="Wingdings" charset="2"/>
+              <a:buChar char="§"/>
+            </a:pPr>
+            <a:r>
+              <a:rPr lang="en-US" dirty="0" smtClean="0"/>
+              <a:t>Etc.</a:t>
+            </a:r>
+          </a:p>
+          <a:p>
+            <a:pPr>
+              <a:buFont typeface="Wingdings" charset="2"/>
+              <a:buChar char="§"/>
+            </a:pPr>
+            <a:r>
+              <a:rPr lang="en-US" dirty="0" smtClean="0"/>
+              <a:t> Presents </a:t>
+            </a:r>
+            <a:r>
+              <a:rPr lang="en-US" dirty="0"/>
+              <a:t>a subjective score for that Zip </a:t>
+            </a:r>
+            <a:r>
+              <a:rPr lang="en-US" dirty="0" smtClean="0"/>
+              <a:t>Code</a:t>
+            </a:r>
+          </a:p>
+          <a:p>
+            <a:pPr>
+              <a:buFont typeface="Wingdings" charset="2"/>
+              <a:buChar char="§"/>
+            </a:pPr>
+            <a:r>
+              <a:rPr lang="en-US" dirty="0" smtClean="0"/>
+              <a:t> Outputs a CSV with all past Zip Codes that have been run</a:t>
+            </a:r>
+          </a:p>
+          <a:p>
+            <a:pPr>
+              <a:buFont typeface="Wingdings" charset="2"/>
+              <a:buChar char="§"/>
+            </a:pPr>
+            <a:endParaRPr lang="en-US" dirty="0" smtClean="0"/>
+          </a:p>
+          <a:p>
+            <a:pPr lvl="1">
+              <a:buFont typeface="Wingdings" charset="2"/>
+              <a:buChar char="§"/>
+            </a:pPr>
+            <a:endParaRPr lang="en-US" dirty="0" smtClean="0"/>
           </a:p>
         </p:txBody>
       </p:sp>
@@ -5142,6 +5841,13 @@
   <p:clrMapOvr>
     <a:masterClrMapping/>
   </p:clrMapOvr>
+  <p:timing>
+    <p:tnLst>
+      <p:par>
+        <p:cTn id="1" dur="indefinite" restart="never" nodeType="tmRoot"/>
+      </p:par>
+    </p:tnLst>
+  </p:timing>
 </p:sld>
 </file>
 
